--- a/Data/ES 테스트링크 수정 가이드_230404.pptx
+++ b/Data/ES 테스트링크 수정 가이드_230404.pptx
@@ -274,7 +274,7 @@
           <a:p>
             <a:fld id="{4F41CE50-7EC2-43E4-AA2D-61B618602277}" type="datetimeFigureOut">
               <a:rPr lang="ko-KR" altLang="en-US" smtClean="0"/>
-              <a:t>2023-04-04</a:t>
+              <a:t>2023-04-05</a:t>
             </a:fld>
             <a:endParaRPr lang="ko-KR" altLang="en-US"/>
           </a:p>
@@ -472,7 +472,7 @@
           <a:p>
             <a:fld id="{4F41CE50-7EC2-43E4-AA2D-61B618602277}" type="datetimeFigureOut">
               <a:rPr lang="ko-KR" altLang="en-US" smtClean="0"/>
-              <a:t>2023-04-04</a:t>
+              <a:t>2023-04-05</a:t>
             </a:fld>
             <a:endParaRPr lang="ko-KR" altLang="en-US"/>
           </a:p>
@@ -680,7 +680,7 @@
           <a:p>
             <a:fld id="{4F41CE50-7EC2-43E4-AA2D-61B618602277}" type="datetimeFigureOut">
               <a:rPr lang="ko-KR" altLang="en-US" smtClean="0"/>
-              <a:t>2023-04-04</a:t>
+              <a:t>2023-04-05</a:t>
             </a:fld>
             <a:endParaRPr lang="ko-KR" altLang="en-US"/>
           </a:p>
@@ -878,7 +878,7 @@
           <a:p>
             <a:fld id="{4F41CE50-7EC2-43E4-AA2D-61B618602277}" type="datetimeFigureOut">
               <a:rPr lang="ko-KR" altLang="en-US" smtClean="0"/>
-              <a:t>2023-04-04</a:t>
+              <a:t>2023-04-05</a:t>
             </a:fld>
             <a:endParaRPr lang="ko-KR" altLang="en-US"/>
           </a:p>
@@ -1153,7 +1153,7 @@
           <a:p>
             <a:fld id="{4F41CE50-7EC2-43E4-AA2D-61B618602277}" type="datetimeFigureOut">
               <a:rPr lang="ko-KR" altLang="en-US" smtClean="0"/>
-              <a:t>2023-04-04</a:t>
+              <a:t>2023-04-05</a:t>
             </a:fld>
             <a:endParaRPr lang="ko-KR" altLang="en-US"/>
           </a:p>
@@ -1418,7 +1418,7 @@
           <a:p>
             <a:fld id="{4F41CE50-7EC2-43E4-AA2D-61B618602277}" type="datetimeFigureOut">
               <a:rPr lang="ko-KR" altLang="en-US" smtClean="0"/>
-              <a:t>2023-04-04</a:t>
+              <a:t>2023-04-05</a:t>
             </a:fld>
             <a:endParaRPr lang="ko-KR" altLang="en-US"/>
           </a:p>
@@ -1830,7 +1830,7 @@
           <a:p>
             <a:fld id="{4F41CE50-7EC2-43E4-AA2D-61B618602277}" type="datetimeFigureOut">
               <a:rPr lang="ko-KR" altLang="en-US" smtClean="0"/>
-              <a:t>2023-04-04</a:t>
+              <a:t>2023-04-05</a:t>
             </a:fld>
             <a:endParaRPr lang="ko-KR" altLang="en-US"/>
           </a:p>
@@ -1971,7 +1971,7 @@
           <a:p>
             <a:fld id="{4F41CE50-7EC2-43E4-AA2D-61B618602277}" type="datetimeFigureOut">
               <a:rPr lang="ko-KR" altLang="en-US" smtClean="0"/>
-              <a:t>2023-04-04</a:t>
+              <a:t>2023-04-05</a:t>
             </a:fld>
             <a:endParaRPr lang="ko-KR" altLang="en-US"/>
           </a:p>
@@ -2084,7 +2084,7 @@
           <a:p>
             <a:fld id="{4F41CE50-7EC2-43E4-AA2D-61B618602277}" type="datetimeFigureOut">
               <a:rPr lang="ko-KR" altLang="en-US" smtClean="0"/>
-              <a:t>2023-04-04</a:t>
+              <a:t>2023-04-05</a:t>
             </a:fld>
             <a:endParaRPr lang="ko-KR" altLang="en-US"/>
           </a:p>
@@ -2395,7 +2395,7 @@
           <a:p>
             <a:fld id="{4F41CE50-7EC2-43E4-AA2D-61B618602277}" type="datetimeFigureOut">
               <a:rPr lang="ko-KR" altLang="en-US" smtClean="0"/>
-              <a:t>2023-04-04</a:t>
+              <a:t>2023-04-05</a:t>
             </a:fld>
             <a:endParaRPr lang="ko-KR" altLang="en-US"/>
           </a:p>
@@ -2683,7 +2683,7 @@
           <a:p>
             <a:fld id="{4F41CE50-7EC2-43E4-AA2D-61B618602277}" type="datetimeFigureOut">
               <a:rPr lang="ko-KR" altLang="en-US" smtClean="0"/>
-              <a:t>2023-04-04</a:t>
+              <a:t>2023-04-05</a:t>
             </a:fld>
             <a:endParaRPr lang="ko-KR" altLang="en-US"/>
           </a:p>
@@ -2924,7 +2924,7 @@
           <a:p>
             <a:fld id="{4F41CE50-7EC2-43E4-AA2D-61B618602277}" type="datetimeFigureOut">
               <a:rPr lang="ko-KR" altLang="en-US" smtClean="0"/>
-              <a:t>2023-04-04</a:t>
+              <a:t>2023-04-05</a:t>
             </a:fld>
             <a:endParaRPr lang="ko-KR" altLang="en-US"/>
           </a:p>
@@ -4714,6 +4714,56 @@
           </a:prstGeom>
         </p:spPr>
       </p:pic>
+      <p:sp>
+        <p:nvSpPr>
+          <p:cNvPr id="3" name="직사각형 2">
+            <a:extLst>
+              <a:ext uri="{FF2B5EF4-FFF2-40B4-BE49-F238E27FC236}">
+                <a16:creationId xmlns:a16="http://schemas.microsoft.com/office/drawing/2014/main" id="{1954BF60-6095-C745-D53C-EB7D4480B3E7}"/>
+              </a:ext>
+            </a:extLst>
+          </p:cNvPr>
+          <p:cNvSpPr/>
+          <p:nvPr/>
+        </p:nvSpPr>
+        <p:spPr>
+          <a:xfrm>
+            <a:off x="7375161" y="4586990"/>
+            <a:ext cx="1948721" cy="1873771"/>
+          </a:xfrm>
+          <a:prstGeom prst="rect">
+            <a:avLst/>
+          </a:prstGeom>
+        </p:spPr>
+        <p:style>
+          <a:lnRef idx="2">
+            <a:schemeClr val="dk1">
+              <a:shade val="50000"/>
+            </a:schemeClr>
+          </a:lnRef>
+          <a:fillRef idx="1">
+            <a:schemeClr val="dk1"/>
+          </a:fillRef>
+          <a:effectRef idx="0">
+            <a:schemeClr val="dk1"/>
+          </a:effectRef>
+          <a:fontRef idx="minor">
+            <a:schemeClr val="lt1"/>
+          </a:fontRef>
+        </p:style>
+        <p:txBody>
+          <a:bodyPr rtlCol="0" anchor="ctr"/>
+          <a:lstStyle/>
+          <a:p>
+            <a:pPr algn="ctr"/>
+            <a:r>
+              <a:rPr lang="en-US" altLang="ko-KR" dirty="0"/>
+              <a:t>ok</a:t>
+            </a:r>
+            <a:endParaRPr lang="ko-KR" altLang="en-US" dirty="0"/>
+          </a:p>
+        </p:txBody>
+      </p:sp>
     </p:spTree>
     <p:extLst>
       <p:ext uri="{BB962C8B-B14F-4D97-AF65-F5344CB8AC3E}">
@@ -5232,7 +5282,7 @@
         </p:nvSpPr>
         <p:spPr>
           <a:xfrm>
-            <a:off x="7375161" y="4586990"/>
+            <a:off x="6342485" y="4728676"/>
             <a:ext cx="1948721" cy="1873771"/>
           </a:xfrm>
           <a:prstGeom prst="rect">
@@ -5883,6 +5933,56 @@
           </a:prstGeom>
         </p:spPr>
       </p:pic>
+      <p:sp>
+        <p:nvSpPr>
+          <p:cNvPr id="2" name="직사각형 1">
+            <a:extLst>
+              <a:ext uri="{FF2B5EF4-FFF2-40B4-BE49-F238E27FC236}">
+                <a16:creationId xmlns:a16="http://schemas.microsoft.com/office/drawing/2014/main" id="{86A5DDDD-BBEA-201E-88BB-A69F10574CBB}"/>
+              </a:ext>
+            </a:extLst>
+          </p:cNvPr>
+          <p:cNvSpPr/>
+          <p:nvPr/>
+        </p:nvSpPr>
+        <p:spPr>
+          <a:xfrm>
+            <a:off x="7375161" y="4586990"/>
+            <a:ext cx="1948721" cy="1873771"/>
+          </a:xfrm>
+          <a:prstGeom prst="rect">
+            <a:avLst/>
+          </a:prstGeom>
+        </p:spPr>
+        <p:style>
+          <a:lnRef idx="2">
+            <a:schemeClr val="dk1">
+              <a:shade val="50000"/>
+            </a:schemeClr>
+          </a:lnRef>
+          <a:fillRef idx="1">
+            <a:schemeClr val="dk1"/>
+          </a:fillRef>
+          <a:effectRef idx="0">
+            <a:schemeClr val="dk1"/>
+          </a:effectRef>
+          <a:fontRef idx="minor">
+            <a:schemeClr val="lt1"/>
+          </a:fontRef>
+        </p:style>
+        <p:txBody>
+          <a:bodyPr rtlCol="0" anchor="ctr"/>
+          <a:lstStyle/>
+          <a:p>
+            <a:pPr algn="ctr"/>
+            <a:r>
+              <a:rPr lang="en-US" altLang="ko-KR" dirty="0"/>
+              <a:t>ok</a:t>
+            </a:r>
+            <a:endParaRPr lang="ko-KR" altLang="en-US" dirty="0"/>
+          </a:p>
+        </p:txBody>
+      </p:sp>
     </p:spTree>
     <p:extLst>
       <p:ext uri="{BB962C8B-B14F-4D97-AF65-F5344CB8AC3E}">
